--- a/発表用資料.pptx
+++ b/発表用資料.pptx
@@ -217,7 +217,7 @@
           <a:p>
             <a:fld id="{FACD78E9-5B01-4199-B8F7-79B3003342FA}" type="datetimeFigureOut">
               <a:rPr kumimoji="1" lang="ja-JP" altLang="en-US" smtClean="0"/>
-              <a:t>2024/4/3</a:t>
+              <a:t>2024/4/4</a:t>
             </a:fld>
             <a:endParaRPr kumimoji="1" lang="ja-JP" altLang="en-US"/>
           </a:p>
@@ -395,7 +395,7 @@
           <a:p>
             <a:fld id="{A5B47483-93B5-433B-BAC8-F23664654E1B}" type="datetimeFigureOut">
               <a:rPr kumimoji="1" lang="ja-JP" altLang="en-US" smtClean="0"/>
-              <a:t>2024/4/3</a:t>
+              <a:t>2024/4/4</a:t>
             </a:fld>
             <a:endParaRPr kumimoji="1" lang="ja-JP" altLang="en-US"/>
           </a:p>
@@ -826,7 +826,7 @@
           <a:p>
             <a:fld id="{9928E9FA-BDFE-483D-81ED-340E992EEFCD}" type="datetimeFigureOut">
               <a:rPr kumimoji="1" lang="ja-JP" altLang="en-US" smtClean="0"/>
-              <a:t>2024/4/3</a:t>
+              <a:t>2024/4/4</a:t>
             </a:fld>
             <a:endParaRPr kumimoji="1" lang="ja-JP" altLang="en-US"/>
           </a:p>
@@ -1028,7 +1028,7 @@
           <a:p>
             <a:fld id="{9928E9FA-BDFE-483D-81ED-340E992EEFCD}" type="datetimeFigureOut">
               <a:rPr kumimoji="1" lang="ja-JP" altLang="en-US" smtClean="0"/>
-              <a:t>2024/4/3</a:t>
+              <a:t>2024/4/4</a:t>
             </a:fld>
             <a:endParaRPr kumimoji="1" lang="ja-JP" altLang="en-US"/>
           </a:p>
@@ -1240,7 +1240,7 @@
           <a:p>
             <a:fld id="{9928E9FA-BDFE-483D-81ED-340E992EEFCD}" type="datetimeFigureOut">
               <a:rPr kumimoji="1" lang="ja-JP" altLang="en-US" smtClean="0"/>
-              <a:t>2024/4/3</a:t>
+              <a:t>2024/4/4</a:t>
             </a:fld>
             <a:endParaRPr kumimoji="1" lang="ja-JP" altLang="en-US"/>
           </a:p>
@@ -1442,7 +1442,7 @@
           <a:p>
             <a:fld id="{9928E9FA-BDFE-483D-81ED-340E992EEFCD}" type="datetimeFigureOut">
               <a:rPr kumimoji="1" lang="ja-JP" altLang="en-US" smtClean="0"/>
-              <a:t>2024/4/3</a:t>
+              <a:t>2024/4/4</a:t>
             </a:fld>
             <a:endParaRPr kumimoji="1" lang="ja-JP" altLang="en-US"/>
           </a:p>
@@ -1686,7 +1686,7 @@
           <a:p>
             <a:fld id="{9928E9FA-BDFE-483D-81ED-340E992EEFCD}" type="datetimeFigureOut">
               <a:rPr kumimoji="1" lang="ja-JP" altLang="en-US" smtClean="0"/>
-              <a:t>2024/4/3</a:t>
+              <a:t>2024/4/4</a:t>
             </a:fld>
             <a:endParaRPr kumimoji="1" lang="ja-JP" altLang="en-US"/>
           </a:p>
@@ -1982,7 +1982,7 @@
           <a:p>
             <a:fld id="{9928E9FA-BDFE-483D-81ED-340E992EEFCD}" type="datetimeFigureOut">
               <a:rPr kumimoji="1" lang="ja-JP" altLang="en-US" smtClean="0"/>
-              <a:t>2024/4/3</a:t>
+              <a:t>2024/4/4</a:t>
             </a:fld>
             <a:endParaRPr kumimoji="1" lang="ja-JP" altLang="en-US"/>
           </a:p>
@@ -2413,7 +2413,7 @@
           <a:p>
             <a:fld id="{9928E9FA-BDFE-483D-81ED-340E992EEFCD}" type="datetimeFigureOut">
               <a:rPr kumimoji="1" lang="ja-JP" altLang="en-US" smtClean="0"/>
-              <a:t>2024/4/3</a:t>
+              <a:t>2024/4/4</a:t>
             </a:fld>
             <a:endParaRPr kumimoji="1" lang="ja-JP" altLang="en-US"/>
           </a:p>
@@ -2531,7 +2531,7 @@
           <a:p>
             <a:fld id="{9928E9FA-BDFE-483D-81ED-340E992EEFCD}" type="datetimeFigureOut">
               <a:rPr kumimoji="1" lang="ja-JP" altLang="en-US" smtClean="0"/>
-              <a:t>2024/4/3</a:t>
+              <a:t>2024/4/4</a:t>
             </a:fld>
             <a:endParaRPr kumimoji="1" lang="ja-JP" altLang="en-US"/>
           </a:p>
@@ -2626,7 +2626,7 @@
           <a:p>
             <a:fld id="{9928E9FA-BDFE-483D-81ED-340E992EEFCD}" type="datetimeFigureOut">
               <a:rPr kumimoji="1" lang="ja-JP" altLang="en-US" smtClean="0"/>
-              <a:t>2024/4/3</a:t>
+              <a:t>2024/4/4</a:t>
             </a:fld>
             <a:endParaRPr kumimoji="1" lang="ja-JP" altLang="en-US"/>
           </a:p>
@@ -2935,7 +2935,7 @@
           <a:p>
             <a:fld id="{9928E9FA-BDFE-483D-81ED-340E992EEFCD}" type="datetimeFigureOut">
               <a:rPr kumimoji="1" lang="ja-JP" altLang="en-US" smtClean="0"/>
-              <a:t>2024/4/3</a:t>
+              <a:t>2024/4/4</a:t>
             </a:fld>
             <a:endParaRPr kumimoji="1" lang="ja-JP" altLang="en-US"/>
           </a:p>
@@ -3192,7 +3192,7 @@
           <a:p>
             <a:fld id="{9928E9FA-BDFE-483D-81ED-340E992EEFCD}" type="datetimeFigureOut">
               <a:rPr kumimoji="1" lang="ja-JP" altLang="en-US" smtClean="0"/>
-              <a:t>2024/4/3</a:t>
+              <a:t>2024/4/4</a:t>
             </a:fld>
             <a:endParaRPr kumimoji="1" lang="ja-JP" altLang="en-US"/>
           </a:p>
@@ -3437,7 +3437,7 @@
           <a:p>
             <a:fld id="{9928E9FA-BDFE-483D-81ED-340E992EEFCD}" type="datetimeFigureOut">
               <a:rPr kumimoji="1" lang="ja-JP" altLang="en-US" smtClean="0"/>
-              <a:t>2024/4/3</a:t>
+              <a:t>2024/4/4</a:t>
             </a:fld>
             <a:endParaRPr kumimoji="1" lang="ja-JP" altLang="en-US"/>
           </a:p>
@@ -4090,7 +4090,7 @@
           <p:nvPr>
             <p:extLst>
               <p:ext uri="{D42A27DB-BD31-4B8C-83A1-F6EECF244321}">
-                <p14:modId xmlns:p14="http://schemas.microsoft.com/office/powerpoint/2010/main" val="1967522414"/>
+                <p14:modId xmlns:p14="http://schemas.microsoft.com/office/powerpoint/2010/main" val="2069325540"/>
               </p:ext>
             </p:extLst>
           </p:nvPr>
@@ -4296,7 +4296,7 @@
                           <a:latin typeface="Meiryo UI" panose="020B0604030504040204" pitchFamily="50" charset="-128"/>
                           <a:ea typeface="Meiryo UI" panose="020B0604030504040204" pitchFamily="50" charset="-128"/>
                         </a:rPr>
-                        <a:t>8</a:t>
+                        <a:t>9</a:t>
                       </a:r>
                       <a:r>
                         <a:rPr kumimoji="1" lang="ja-JP" altLang="en-US" b="1" dirty="0">
@@ -4456,6 +4456,19 @@
                           <a:ea typeface="Meiryo UI" panose="020B0604030504040204" pitchFamily="50" charset="-128"/>
                         </a:rPr>
                         <a:t>choice_north.py</a:t>
+                      </a:r>
+                    </a:p>
+                    <a:p>
+                      <a:pPr algn="l"/>
+                      <a:r>
+                        <a:rPr kumimoji="1" lang="en-US" altLang="ja-JP" dirty="0">
+                          <a:solidFill>
+                            <a:sysClr val="windowText" lastClr="000000"/>
+                          </a:solidFill>
+                          <a:latin typeface="Meiryo UI" panose="020B0604030504040204" pitchFamily="50" charset="-128"/>
+                          <a:ea typeface="Meiryo UI" panose="020B0604030504040204" pitchFamily="50" charset="-128"/>
+                        </a:rPr>
+                        <a:t>game_over.py</a:t>
                       </a:r>
                       <a:endParaRPr kumimoji="1" lang="ja-JP" altLang="en-US" dirty="0">
                         <a:solidFill>
@@ -6577,10 +6590,10 @@
       </p:sp>
       <p:pic>
         <p:nvPicPr>
-          <p:cNvPr id="4" name="図 3">
+          <p:cNvPr id="7" name="図 6">
             <a:extLst>
               <a:ext uri="{FF2B5EF4-FFF2-40B4-BE49-F238E27FC236}">
-                <a16:creationId xmlns:a16="http://schemas.microsoft.com/office/drawing/2014/main" id="{D582F946-FECB-A238-2B57-DE12B9A7DF07}"/>
+                <a16:creationId xmlns:a16="http://schemas.microsoft.com/office/drawing/2014/main" id="{7DA36A9F-980B-7912-90B3-199E9C31DA4D}"/>
               </a:ext>
             </a:extLst>
           </p:cNvPr>
@@ -6591,13 +6604,13 @@
         </p:nvPicPr>
         <p:blipFill rotWithShape="1">
           <a:blip r:embed="rId2"/>
-          <a:srcRect t="4872" r="59107" b="7960"/>
+          <a:srcRect t="5224" r="54946" b="6813"/>
           <a:stretch/>
         </p:blipFill>
         <p:spPr>
           <a:xfrm>
-            <a:off x="133350" y="1081547"/>
-            <a:ext cx="4570320" cy="5479947"/>
+            <a:off x="4798139" y="1081547"/>
+            <a:ext cx="4989871" cy="5479947"/>
           </a:xfrm>
           <a:prstGeom prst="rect">
             <a:avLst/>
@@ -6611,10 +6624,10 @@
       </p:pic>
       <p:pic>
         <p:nvPicPr>
-          <p:cNvPr id="7" name="図 6">
+          <p:cNvPr id="10" name="図 9">
             <a:extLst>
               <a:ext uri="{FF2B5EF4-FFF2-40B4-BE49-F238E27FC236}">
-                <a16:creationId xmlns:a16="http://schemas.microsoft.com/office/drawing/2014/main" id="{7DA36A9F-980B-7912-90B3-199E9C31DA4D}"/>
+                <a16:creationId xmlns:a16="http://schemas.microsoft.com/office/drawing/2014/main" id="{002D7E2D-E0BF-C58F-1127-056B1035D619}"/>
               </a:ext>
             </a:extLst>
           </p:cNvPr>
@@ -6625,13 +6638,13 @@
         </p:nvPicPr>
         <p:blipFill rotWithShape="1">
           <a:blip r:embed="rId3"/>
-          <a:srcRect t="5224" r="54946" b="6813"/>
+          <a:srcRect t="4873" r="59404" b="8312"/>
           <a:stretch/>
         </p:blipFill>
         <p:spPr>
           <a:xfrm>
-            <a:off x="4798139" y="1081547"/>
-            <a:ext cx="4989871" cy="5479947"/>
+            <a:off x="133349" y="1081547"/>
+            <a:ext cx="4555485" cy="5479947"/>
           </a:xfrm>
           <a:prstGeom prst="rect">
             <a:avLst/>
